--- a/Presentation.pptx
+++ b/Presentation.pptx
@@ -13,6 +13,7 @@
     <p:sldId id="261" r:id="rId7"/>
     <p:sldId id="262" r:id="rId8"/>
     <p:sldId id="263" r:id="rId9"/>
+    <p:sldId id="265" r:id="rId10"/>
   </p:sldIdLst>
   <p:sldSz cx="12192000" cy="6858000"/>
   <p:notesSz cx="6858000" cy="9144000"/>
@@ -111,6 +112,11 @@
       </a:defRPr>
     </a:lvl9pPr>
   </p:defaultTextStyle>
+  <p:extLst>
+    <p:ext uri="{EFAFB233-063F-42B5-8137-9DF3F51BA10A}">
+      <p15:sldGuideLst xmlns:p15="http://schemas.microsoft.com/office/powerpoint/2012/main"/>
+    </p:ext>
+  </p:extLst>
 </p:presentation>
 </file>
 
@@ -15549,6 +15555,254 @@
 </p:sld>
 </file>
 
+<file path=ppt/slides/slide9.xml><?xml version="1.0" encoding="utf-8"?>
+<p:sld xmlns:a="http://schemas.openxmlformats.org/drawingml/2006/main" xmlns:r="http://schemas.openxmlformats.org/officeDocument/2006/relationships" xmlns:p="http://schemas.openxmlformats.org/presentationml/2006/main">
+  <p:cSld>
+    <p:spTree>
+      <p:nvGrpSpPr>
+        <p:cNvPr id="1" name=""/>
+        <p:cNvGrpSpPr/>
+        <p:nvPr/>
+      </p:nvGrpSpPr>
+      <p:grpSpPr>
+        <a:xfrm>
+          <a:off x="0" y="0"/>
+          <a:ext cx="0" cy="0"/>
+          <a:chOff x="0" y="0"/>
+          <a:chExt cx="0" cy="0"/>
+        </a:xfrm>
+      </p:grpSpPr>
+      <p:sp>
+        <p:nvSpPr>
+          <p:cNvPr id="2" name="Titre 1">
+            <a:extLst>
+              <a:ext uri="{FF2B5EF4-FFF2-40B4-BE49-F238E27FC236}">
+                <a16:creationId xmlns:a16="http://schemas.microsoft.com/office/drawing/2014/main" id="{FEB27C02-5394-4B4E-B820-B1B07361E011}"/>
+              </a:ext>
+            </a:extLst>
+          </p:cNvPr>
+          <p:cNvSpPr>
+            <a:spLocks noGrp="1"/>
+          </p:cNvSpPr>
+          <p:nvPr>
+            <p:ph type="title"/>
+          </p:nvPr>
+        </p:nvSpPr>
+        <p:spPr/>
+        <p:txBody>
+          <a:bodyPr/>
+          <a:lstStyle/>
+          <a:p>
+            <a:pPr algn="ctr"/>
+            <a:r>
+              <a:rPr lang="fr-FR"/>
+              <a:t>Difficultés rencontrées</a:t>
+            </a:r>
+            <a:endParaRPr lang="fr-FR" dirty="0"/>
+          </a:p>
+        </p:txBody>
+      </p:sp>
+      <p:sp>
+        <p:nvSpPr>
+          <p:cNvPr id="3" name="Espace réservé du texte 2">
+            <a:extLst>
+              <a:ext uri="{FF2B5EF4-FFF2-40B4-BE49-F238E27FC236}">
+                <a16:creationId xmlns:a16="http://schemas.microsoft.com/office/drawing/2014/main" id="{EDDF835C-BA92-423C-B769-F918C77304AB}"/>
+              </a:ext>
+            </a:extLst>
+          </p:cNvPr>
+          <p:cNvSpPr>
+            <a:spLocks noGrp="1"/>
+          </p:cNvSpPr>
+          <p:nvPr>
+            <p:ph type="body" idx="1"/>
+          </p:nvPr>
+        </p:nvSpPr>
+        <p:spPr/>
+        <p:txBody>
+          <a:bodyPr/>
+          <a:lstStyle/>
+          <a:p>
+            <a:endParaRPr lang="fr-FR" dirty="0"/>
+          </a:p>
+        </p:txBody>
+      </p:sp>
+      <p:sp>
+        <p:nvSpPr>
+          <p:cNvPr id="4" name="Espace réservé du texte 3">
+            <a:extLst>
+              <a:ext uri="{FF2B5EF4-FFF2-40B4-BE49-F238E27FC236}">
+                <a16:creationId xmlns:a16="http://schemas.microsoft.com/office/drawing/2014/main" id="{B846A655-E3FB-415B-A4A2-258B32004F8B}"/>
+              </a:ext>
+            </a:extLst>
+          </p:cNvPr>
+          <p:cNvSpPr>
+            <a:spLocks noGrp="1"/>
+          </p:cNvSpPr>
+          <p:nvPr>
+            <p:ph type="body" sz="half" idx="15"/>
+          </p:nvPr>
+        </p:nvSpPr>
+        <p:spPr/>
+        <p:txBody>
+          <a:bodyPr/>
+          <a:lstStyle/>
+          <a:p>
+            <a:pPr marL="285750" indent="-285750">
+              <a:buFontTx/>
+              <a:buChar char="-"/>
+            </a:pPr>
+            <a:r>
+              <a:rPr lang="fr-FR" dirty="0"/>
+              <a:t>Gestion de la session</a:t>
+            </a:r>
+          </a:p>
+          <a:p>
+            <a:endParaRPr lang="fr-FR" dirty="0"/>
+          </a:p>
+        </p:txBody>
+      </p:sp>
+      <p:sp>
+        <p:nvSpPr>
+          <p:cNvPr id="5" name="Espace réservé du texte 4">
+            <a:extLst>
+              <a:ext uri="{FF2B5EF4-FFF2-40B4-BE49-F238E27FC236}">
+                <a16:creationId xmlns:a16="http://schemas.microsoft.com/office/drawing/2014/main" id="{5F669035-A793-4B07-ABE7-266EDC66E6C6}"/>
+              </a:ext>
+            </a:extLst>
+          </p:cNvPr>
+          <p:cNvSpPr>
+            <a:spLocks noGrp="1"/>
+          </p:cNvSpPr>
+          <p:nvPr>
+            <p:ph type="body" sz="quarter" idx="3"/>
+          </p:nvPr>
+        </p:nvSpPr>
+        <p:spPr/>
+        <p:txBody>
+          <a:bodyPr/>
+          <a:lstStyle/>
+          <a:p>
+            <a:endParaRPr lang="fr-FR"/>
+          </a:p>
+        </p:txBody>
+      </p:sp>
+      <p:sp>
+        <p:nvSpPr>
+          <p:cNvPr id="6" name="Espace réservé du texte 5">
+            <a:extLst>
+              <a:ext uri="{FF2B5EF4-FFF2-40B4-BE49-F238E27FC236}">
+                <a16:creationId xmlns:a16="http://schemas.microsoft.com/office/drawing/2014/main" id="{0B09E6EC-0F50-4501-B450-2A309514BDF1}"/>
+              </a:ext>
+            </a:extLst>
+          </p:cNvPr>
+          <p:cNvSpPr>
+            <a:spLocks noGrp="1"/>
+          </p:cNvSpPr>
+          <p:nvPr>
+            <p:ph type="body" sz="half" idx="16"/>
+          </p:nvPr>
+        </p:nvSpPr>
+        <p:spPr/>
+        <p:txBody>
+          <a:bodyPr/>
+          <a:lstStyle/>
+          <a:p>
+            <a:pPr marL="285750" indent="-285750">
+              <a:buFontTx/>
+              <a:buChar char="-"/>
+            </a:pPr>
+            <a:r>
+              <a:rPr lang="fr-FR" dirty="0"/>
+              <a:t>Recherche avec plusieurs critères</a:t>
+            </a:r>
+          </a:p>
+          <a:p>
+            <a:pPr marL="285750" indent="-285750">
+              <a:buFontTx/>
+              <a:buChar char="-"/>
+            </a:pPr>
+            <a:endParaRPr lang="fr-FR" dirty="0"/>
+          </a:p>
+        </p:txBody>
+      </p:sp>
+      <p:sp>
+        <p:nvSpPr>
+          <p:cNvPr id="7" name="Espace réservé du texte 6">
+            <a:extLst>
+              <a:ext uri="{FF2B5EF4-FFF2-40B4-BE49-F238E27FC236}">
+                <a16:creationId xmlns:a16="http://schemas.microsoft.com/office/drawing/2014/main" id="{365DB21E-8DAD-4FB6-9C03-161882906A4C}"/>
+              </a:ext>
+            </a:extLst>
+          </p:cNvPr>
+          <p:cNvSpPr>
+            <a:spLocks noGrp="1"/>
+          </p:cNvSpPr>
+          <p:nvPr>
+            <p:ph type="body" sz="quarter" idx="13"/>
+          </p:nvPr>
+        </p:nvSpPr>
+        <p:spPr/>
+        <p:txBody>
+          <a:bodyPr/>
+          <a:lstStyle/>
+          <a:p>
+            <a:endParaRPr lang="fr-FR"/>
+          </a:p>
+        </p:txBody>
+      </p:sp>
+      <p:sp>
+        <p:nvSpPr>
+          <p:cNvPr id="8" name="Espace réservé du texte 7">
+            <a:extLst>
+              <a:ext uri="{FF2B5EF4-FFF2-40B4-BE49-F238E27FC236}">
+                <a16:creationId xmlns:a16="http://schemas.microsoft.com/office/drawing/2014/main" id="{71C2F710-B0C3-4C6C-B675-2EAA117422EB}"/>
+              </a:ext>
+            </a:extLst>
+          </p:cNvPr>
+          <p:cNvSpPr>
+            <a:spLocks noGrp="1"/>
+          </p:cNvSpPr>
+          <p:nvPr>
+            <p:ph type="body" sz="half" idx="17"/>
+          </p:nvPr>
+        </p:nvSpPr>
+        <p:spPr/>
+        <p:txBody>
+          <a:bodyPr/>
+          <a:lstStyle/>
+          <a:p>
+            <a:pPr marL="285750" indent="-285750">
+              <a:buFontTx/>
+              <a:buChar char="-"/>
+            </a:pPr>
+            <a:r>
+              <a:rPr lang="fr-FR" dirty="0"/>
+              <a:t>« Mêler » du JavaScript à PHP notamment pour faire une recherche en temps réel</a:t>
+            </a:r>
+          </a:p>
+          <a:p>
+            <a:pPr marL="285750" indent="-285750">
+              <a:buFontTx/>
+              <a:buChar char="-"/>
+            </a:pPr>
+            <a:endParaRPr lang="fr-FR" dirty="0"/>
+          </a:p>
+        </p:txBody>
+      </p:sp>
+    </p:spTree>
+    <p:extLst>
+      <p:ext uri="{BB962C8B-B14F-4D97-AF65-F5344CB8AC3E}">
+        <p14:creationId xmlns:p14="http://schemas.microsoft.com/office/powerpoint/2010/main" val="3980805934"/>
+      </p:ext>
+    </p:extLst>
+  </p:cSld>
+  <p:clrMapOvr>
+    <a:masterClrMapping/>
+  </p:clrMapOvr>
+</p:sld>
+</file>
+
 <file path=ppt/theme/theme1.xml><?xml version="1.0" encoding="utf-8"?>
 <a:theme xmlns:a="http://schemas.openxmlformats.org/drawingml/2006/main" name="Salle d’ions">
   <a:themeElements>
